--- a/ppt 16-9/0158.圣灵运行在这里.pptx
+++ b/ppt 16-9/0158.圣灵运行在这里.pptx
@@ -129,7 +129,7 @@
           <p:cNvPr id="2" name="标题 1">
             <a:extLst>
               <a:ext uri="{FF2B5EF4-FFF2-40B4-BE49-F238E27FC236}">
-                <a16:creationId xmlns:a16="http://schemas.microsoft.com/office/drawing/2014/main" id="{BAB876E2-0E0E-A00B-1525-C7283D18CF4A}"/>
+                <a16:creationId xmlns:a16="http://schemas.microsoft.com/office/drawing/2014/main" id="{D6E0E642-346A-5303-E62C-FC74EC52F1A7}"/>
               </a:ext>
             </a:extLst>
           </p:cNvPr>
@@ -166,7 +166,7 @@
           <p:cNvPr id="3" name="副标题 2">
             <a:extLst>
               <a:ext uri="{FF2B5EF4-FFF2-40B4-BE49-F238E27FC236}">
-                <a16:creationId xmlns:a16="http://schemas.microsoft.com/office/drawing/2014/main" id="{3856CD42-C52B-6BBF-22E7-61053F66F476}"/>
+                <a16:creationId xmlns:a16="http://schemas.microsoft.com/office/drawing/2014/main" id="{890358B2-76C8-52FE-A3AE-EC7E1A9B657A}"/>
               </a:ext>
             </a:extLst>
           </p:cNvPr>
@@ -236,7 +236,7 @@
           <p:cNvPr id="4" name="日期占位符 3">
             <a:extLst>
               <a:ext uri="{FF2B5EF4-FFF2-40B4-BE49-F238E27FC236}">
-                <a16:creationId xmlns:a16="http://schemas.microsoft.com/office/drawing/2014/main" id="{F7959606-0E0F-042B-4EBB-7AF3861C3C80}"/>
+                <a16:creationId xmlns:a16="http://schemas.microsoft.com/office/drawing/2014/main" id="{1A6B49A8-873B-C87C-192A-EF8053B8B239}"/>
               </a:ext>
             </a:extLst>
           </p:cNvPr>
@@ -252,7 +252,7 @@
           <a:bodyPr/>
           <a:lstStyle/>
           <a:p>
-            <a:fld id="{3AAD0424-1033-467B-95AC-48AA9FC9290B}" type="datetimeFigureOut">
+            <a:fld id="{6BAE3F8A-3F9E-4A66-8956-A581ECC1E5C4}" type="datetimeFigureOut">
               <a:rPr lang="zh-CN" altLang="en-US" smtClean="0"/>
               <a:t>2024/3/10</a:t>
             </a:fld>
@@ -265,7 +265,7 @@
           <p:cNvPr id="5" name="页脚占位符 4">
             <a:extLst>
               <a:ext uri="{FF2B5EF4-FFF2-40B4-BE49-F238E27FC236}">
-                <a16:creationId xmlns:a16="http://schemas.microsoft.com/office/drawing/2014/main" id="{ECC560DE-5E8A-42B6-1D3D-DFFD2C0EA0DD}"/>
+                <a16:creationId xmlns:a16="http://schemas.microsoft.com/office/drawing/2014/main" id="{6026F331-64AC-9185-1DB5-F5AD8053C17C}"/>
               </a:ext>
             </a:extLst>
           </p:cNvPr>
@@ -290,7 +290,7 @@
           <p:cNvPr id="6" name="灯片编号占位符 5">
             <a:extLst>
               <a:ext uri="{FF2B5EF4-FFF2-40B4-BE49-F238E27FC236}">
-                <a16:creationId xmlns:a16="http://schemas.microsoft.com/office/drawing/2014/main" id="{5D120575-69C1-1CE3-5E38-DDDB63136544}"/>
+                <a16:creationId xmlns:a16="http://schemas.microsoft.com/office/drawing/2014/main" id="{793F6DAE-2799-9BB1-F3E3-6EC38FF27780}"/>
               </a:ext>
             </a:extLst>
           </p:cNvPr>
@@ -306,7 +306,7 @@
           <a:bodyPr/>
           <a:lstStyle/>
           <a:p>
-            <a:fld id="{6DE67096-82F6-4BE2-BBAD-F195A33F0F03}" type="slidenum">
+            <a:fld id="{3ECF1EB9-8117-4D8F-B9B7-97322AD71A21}" type="slidenum">
               <a:rPr lang="zh-CN" altLang="en-US" smtClean="0"/>
               <a:t>‹#›</a:t>
             </a:fld>
@@ -317,7 +317,7 @@
     </p:spTree>
     <p:extLst>
       <p:ext uri="{BB962C8B-B14F-4D97-AF65-F5344CB8AC3E}">
-        <p14:creationId xmlns:p14="http://schemas.microsoft.com/office/powerpoint/2010/main" val="423006277"/>
+        <p14:creationId xmlns:p14="http://schemas.microsoft.com/office/powerpoint/2010/main" val="2487749312"/>
       </p:ext>
     </p:extLst>
   </p:cSld>
@@ -349,7 +349,7 @@
           <p:cNvPr id="2" name="标题 1">
             <a:extLst>
               <a:ext uri="{FF2B5EF4-FFF2-40B4-BE49-F238E27FC236}">
-                <a16:creationId xmlns:a16="http://schemas.microsoft.com/office/drawing/2014/main" id="{D66707A8-E1D6-CF33-8A8E-6A227C4A8F68}"/>
+                <a16:creationId xmlns:a16="http://schemas.microsoft.com/office/drawing/2014/main" id="{ECFDAE85-CE95-EBEB-A74A-CCDA311863D4}"/>
               </a:ext>
             </a:extLst>
           </p:cNvPr>
@@ -377,7 +377,7 @@
           <p:cNvPr id="3" name="竖排文字占位符 2">
             <a:extLst>
               <a:ext uri="{FF2B5EF4-FFF2-40B4-BE49-F238E27FC236}">
-                <a16:creationId xmlns:a16="http://schemas.microsoft.com/office/drawing/2014/main" id="{798F3257-1906-315B-11E9-6E5FC3D23C88}"/>
+                <a16:creationId xmlns:a16="http://schemas.microsoft.com/office/drawing/2014/main" id="{D8B87781-CEA1-96B0-18D0-B3A28B16AEA0}"/>
               </a:ext>
             </a:extLst>
           </p:cNvPr>
@@ -434,7 +434,7 @@
           <p:cNvPr id="4" name="日期占位符 3">
             <a:extLst>
               <a:ext uri="{FF2B5EF4-FFF2-40B4-BE49-F238E27FC236}">
-                <a16:creationId xmlns:a16="http://schemas.microsoft.com/office/drawing/2014/main" id="{5BBDE8A6-7F8E-881C-6948-FA8CEAEA77C8}"/>
+                <a16:creationId xmlns:a16="http://schemas.microsoft.com/office/drawing/2014/main" id="{01369885-FFC5-1200-79F7-CA5EE3B11607}"/>
               </a:ext>
             </a:extLst>
           </p:cNvPr>
@@ -450,7 +450,7 @@
           <a:bodyPr/>
           <a:lstStyle/>
           <a:p>
-            <a:fld id="{3AAD0424-1033-467B-95AC-48AA9FC9290B}" type="datetimeFigureOut">
+            <a:fld id="{6BAE3F8A-3F9E-4A66-8956-A581ECC1E5C4}" type="datetimeFigureOut">
               <a:rPr lang="zh-CN" altLang="en-US" smtClean="0"/>
               <a:t>2024/3/10</a:t>
             </a:fld>
@@ -463,7 +463,7 @@
           <p:cNvPr id="5" name="页脚占位符 4">
             <a:extLst>
               <a:ext uri="{FF2B5EF4-FFF2-40B4-BE49-F238E27FC236}">
-                <a16:creationId xmlns:a16="http://schemas.microsoft.com/office/drawing/2014/main" id="{EDA23CC4-454A-07E0-A478-629AF1B69A7A}"/>
+                <a16:creationId xmlns:a16="http://schemas.microsoft.com/office/drawing/2014/main" id="{0B13C523-349B-CC2F-EEEE-B743FF29DC54}"/>
               </a:ext>
             </a:extLst>
           </p:cNvPr>
@@ -488,7 +488,7 @@
           <p:cNvPr id="6" name="灯片编号占位符 5">
             <a:extLst>
               <a:ext uri="{FF2B5EF4-FFF2-40B4-BE49-F238E27FC236}">
-                <a16:creationId xmlns:a16="http://schemas.microsoft.com/office/drawing/2014/main" id="{504B53D9-EBFD-F935-E943-063DAC3C0D67}"/>
+                <a16:creationId xmlns:a16="http://schemas.microsoft.com/office/drawing/2014/main" id="{767CA38E-A165-9156-85A8-B47754563F4D}"/>
               </a:ext>
             </a:extLst>
           </p:cNvPr>
@@ -504,7 +504,7 @@
           <a:bodyPr/>
           <a:lstStyle/>
           <a:p>
-            <a:fld id="{6DE67096-82F6-4BE2-BBAD-F195A33F0F03}" type="slidenum">
+            <a:fld id="{3ECF1EB9-8117-4D8F-B9B7-97322AD71A21}" type="slidenum">
               <a:rPr lang="zh-CN" altLang="en-US" smtClean="0"/>
               <a:t>‹#›</a:t>
             </a:fld>
@@ -515,7 +515,7 @@
     </p:spTree>
     <p:extLst>
       <p:ext uri="{BB962C8B-B14F-4D97-AF65-F5344CB8AC3E}">
-        <p14:creationId xmlns:p14="http://schemas.microsoft.com/office/powerpoint/2010/main" val="421052569"/>
+        <p14:creationId xmlns:p14="http://schemas.microsoft.com/office/powerpoint/2010/main" val="340826834"/>
       </p:ext>
     </p:extLst>
   </p:cSld>
@@ -547,7 +547,7 @@
           <p:cNvPr id="2" name="竖排标题 1">
             <a:extLst>
               <a:ext uri="{FF2B5EF4-FFF2-40B4-BE49-F238E27FC236}">
-                <a16:creationId xmlns:a16="http://schemas.microsoft.com/office/drawing/2014/main" id="{6E43667C-D134-1198-7184-C68B27102EE5}"/>
+                <a16:creationId xmlns:a16="http://schemas.microsoft.com/office/drawing/2014/main" id="{774544C1-BA80-F10C-054D-A3F30A1ACCDD}"/>
               </a:ext>
             </a:extLst>
           </p:cNvPr>
@@ -580,7 +580,7 @@
           <p:cNvPr id="3" name="竖排文字占位符 2">
             <a:extLst>
               <a:ext uri="{FF2B5EF4-FFF2-40B4-BE49-F238E27FC236}">
-                <a16:creationId xmlns:a16="http://schemas.microsoft.com/office/drawing/2014/main" id="{DB66489A-624B-A86C-DF99-38DBDC359648}"/>
+                <a16:creationId xmlns:a16="http://schemas.microsoft.com/office/drawing/2014/main" id="{47FD9FB8-2A86-C031-04D7-B9B4BD404844}"/>
               </a:ext>
             </a:extLst>
           </p:cNvPr>
@@ -642,7 +642,7 @@
           <p:cNvPr id="4" name="日期占位符 3">
             <a:extLst>
               <a:ext uri="{FF2B5EF4-FFF2-40B4-BE49-F238E27FC236}">
-                <a16:creationId xmlns:a16="http://schemas.microsoft.com/office/drawing/2014/main" id="{32027F1F-5D49-FA22-7101-60F707ABF2B8}"/>
+                <a16:creationId xmlns:a16="http://schemas.microsoft.com/office/drawing/2014/main" id="{29E8422B-DD15-0898-D7CB-CA0D345FFF0E}"/>
               </a:ext>
             </a:extLst>
           </p:cNvPr>
@@ -658,7 +658,7 @@
           <a:bodyPr/>
           <a:lstStyle/>
           <a:p>
-            <a:fld id="{3AAD0424-1033-467B-95AC-48AA9FC9290B}" type="datetimeFigureOut">
+            <a:fld id="{6BAE3F8A-3F9E-4A66-8956-A581ECC1E5C4}" type="datetimeFigureOut">
               <a:rPr lang="zh-CN" altLang="en-US" smtClean="0"/>
               <a:t>2024/3/10</a:t>
             </a:fld>
@@ -671,7 +671,7 @@
           <p:cNvPr id="5" name="页脚占位符 4">
             <a:extLst>
               <a:ext uri="{FF2B5EF4-FFF2-40B4-BE49-F238E27FC236}">
-                <a16:creationId xmlns:a16="http://schemas.microsoft.com/office/drawing/2014/main" id="{0D1D9BE5-8B63-2105-F879-09440407FA6E}"/>
+                <a16:creationId xmlns:a16="http://schemas.microsoft.com/office/drawing/2014/main" id="{A7DC7167-7648-336E-CC3B-05EBCEFE4A31}"/>
               </a:ext>
             </a:extLst>
           </p:cNvPr>
@@ -696,7 +696,7 @@
           <p:cNvPr id="6" name="灯片编号占位符 5">
             <a:extLst>
               <a:ext uri="{FF2B5EF4-FFF2-40B4-BE49-F238E27FC236}">
-                <a16:creationId xmlns:a16="http://schemas.microsoft.com/office/drawing/2014/main" id="{E0A1D80B-300F-3DF1-01DE-A260E4E29469}"/>
+                <a16:creationId xmlns:a16="http://schemas.microsoft.com/office/drawing/2014/main" id="{7C5F1D3D-31F5-E94A-E25C-3C7766BE10E9}"/>
               </a:ext>
             </a:extLst>
           </p:cNvPr>
@@ -712,7 +712,7 @@
           <a:bodyPr/>
           <a:lstStyle/>
           <a:p>
-            <a:fld id="{6DE67096-82F6-4BE2-BBAD-F195A33F0F03}" type="slidenum">
+            <a:fld id="{3ECF1EB9-8117-4D8F-B9B7-97322AD71A21}" type="slidenum">
               <a:rPr lang="zh-CN" altLang="en-US" smtClean="0"/>
               <a:t>‹#›</a:t>
             </a:fld>
@@ -723,7 +723,7 @@
     </p:spTree>
     <p:extLst>
       <p:ext uri="{BB962C8B-B14F-4D97-AF65-F5344CB8AC3E}">
-        <p14:creationId xmlns:p14="http://schemas.microsoft.com/office/powerpoint/2010/main" val="3475049300"/>
+        <p14:creationId xmlns:p14="http://schemas.microsoft.com/office/powerpoint/2010/main" val="3539648881"/>
       </p:ext>
     </p:extLst>
   </p:cSld>
@@ -755,7 +755,7 @@
           <p:cNvPr id="2" name="标题 1">
             <a:extLst>
               <a:ext uri="{FF2B5EF4-FFF2-40B4-BE49-F238E27FC236}">
-                <a16:creationId xmlns:a16="http://schemas.microsoft.com/office/drawing/2014/main" id="{E932B7EE-B9F8-E224-BB29-64908BDB67F7}"/>
+                <a16:creationId xmlns:a16="http://schemas.microsoft.com/office/drawing/2014/main" id="{90E42C52-13D3-CCCA-9C06-C03ABA1210D5}"/>
               </a:ext>
             </a:extLst>
           </p:cNvPr>
@@ -783,7 +783,7 @@
           <p:cNvPr id="3" name="内容占位符 2">
             <a:extLst>
               <a:ext uri="{FF2B5EF4-FFF2-40B4-BE49-F238E27FC236}">
-                <a16:creationId xmlns:a16="http://schemas.microsoft.com/office/drawing/2014/main" id="{3600B42E-6D6E-D8A8-B90B-5C601B0F1217}"/>
+                <a16:creationId xmlns:a16="http://schemas.microsoft.com/office/drawing/2014/main" id="{5B14C3AC-2814-8C1C-8C97-94F6D467AF97}"/>
               </a:ext>
             </a:extLst>
           </p:cNvPr>
@@ -840,7 +840,7 @@
           <p:cNvPr id="4" name="日期占位符 3">
             <a:extLst>
               <a:ext uri="{FF2B5EF4-FFF2-40B4-BE49-F238E27FC236}">
-                <a16:creationId xmlns:a16="http://schemas.microsoft.com/office/drawing/2014/main" id="{625703D2-EB6D-EFD9-A8B6-7CCD20F47B67}"/>
+                <a16:creationId xmlns:a16="http://schemas.microsoft.com/office/drawing/2014/main" id="{064659A4-5CE1-ADD5-E7F3-65FFBA48C9F7}"/>
               </a:ext>
             </a:extLst>
           </p:cNvPr>
@@ -856,7 +856,7 @@
           <a:bodyPr/>
           <a:lstStyle/>
           <a:p>
-            <a:fld id="{3AAD0424-1033-467B-95AC-48AA9FC9290B}" type="datetimeFigureOut">
+            <a:fld id="{6BAE3F8A-3F9E-4A66-8956-A581ECC1E5C4}" type="datetimeFigureOut">
               <a:rPr lang="zh-CN" altLang="en-US" smtClean="0"/>
               <a:t>2024/3/10</a:t>
             </a:fld>
@@ -869,7 +869,7 @@
           <p:cNvPr id="5" name="页脚占位符 4">
             <a:extLst>
               <a:ext uri="{FF2B5EF4-FFF2-40B4-BE49-F238E27FC236}">
-                <a16:creationId xmlns:a16="http://schemas.microsoft.com/office/drawing/2014/main" id="{10C92EBD-FD06-D729-B8A6-35D410EFBDBC}"/>
+                <a16:creationId xmlns:a16="http://schemas.microsoft.com/office/drawing/2014/main" id="{CB7CB2FF-69D7-A485-76AD-EEC1A3E2FE38}"/>
               </a:ext>
             </a:extLst>
           </p:cNvPr>
@@ -894,7 +894,7 @@
           <p:cNvPr id="6" name="灯片编号占位符 5">
             <a:extLst>
               <a:ext uri="{FF2B5EF4-FFF2-40B4-BE49-F238E27FC236}">
-                <a16:creationId xmlns:a16="http://schemas.microsoft.com/office/drawing/2014/main" id="{500A9C81-0D3C-BB8B-8C2B-B7E99BB6B566}"/>
+                <a16:creationId xmlns:a16="http://schemas.microsoft.com/office/drawing/2014/main" id="{A804E5A5-0965-03AD-1C8B-A84AF9A90601}"/>
               </a:ext>
             </a:extLst>
           </p:cNvPr>
@@ -910,7 +910,7 @@
           <a:bodyPr/>
           <a:lstStyle/>
           <a:p>
-            <a:fld id="{6DE67096-82F6-4BE2-BBAD-F195A33F0F03}" type="slidenum">
+            <a:fld id="{3ECF1EB9-8117-4D8F-B9B7-97322AD71A21}" type="slidenum">
               <a:rPr lang="zh-CN" altLang="en-US" smtClean="0"/>
               <a:t>‹#›</a:t>
             </a:fld>
@@ -921,7 +921,7 @@
     </p:spTree>
     <p:extLst>
       <p:ext uri="{BB962C8B-B14F-4D97-AF65-F5344CB8AC3E}">
-        <p14:creationId xmlns:p14="http://schemas.microsoft.com/office/powerpoint/2010/main" val="4108103701"/>
+        <p14:creationId xmlns:p14="http://schemas.microsoft.com/office/powerpoint/2010/main" val="1275860883"/>
       </p:ext>
     </p:extLst>
   </p:cSld>
@@ -953,7 +953,7 @@
           <p:cNvPr id="2" name="标题 1">
             <a:extLst>
               <a:ext uri="{FF2B5EF4-FFF2-40B4-BE49-F238E27FC236}">
-                <a16:creationId xmlns:a16="http://schemas.microsoft.com/office/drawing/2014/main" id="{D0B8162C-7CDB-FC54-7D2A-9D77012A3907}"/>
+                <a16:creationId xmlns:a16="http://schemas.microsoft.com/office/drawing/2014/main" id="{01B9B80A-74D9-9E6E-A241-72D4F551C651}"/>
               </a:ext>
             </a:extLst>
           </p:cNvPr>
@@ -990,7 +990,7 @@
           <p:cNvPr id="3" name="文本占位符 2">
             <a:extLst>
               <a:ext uri="{FF2B5EF4-FFF2-40B4-BE49-F238E27FC236}">
-                <a16:creationId xmlns:a16="http://schemas.microsoft.com/office/drawing/2014/main" id="{A6D3FCA6-77FB-17F5-9349-8AC0C89110F1}"/>
+                <a16:creationId xmlns:a16="http://schemas.microsoft.com/office/drawing/2014/main" id="{788B6082-EAD5-0F9A-6DB1-A3643ADC1078}"/>
               </a:ext>
             </a:extLst>
           </p:cNvPr>
@@ -1115,7 +1115,7 @@
           <p:cNvPr id="4" name="日期占位符 3">
             <a:extLst>
               <a:ext uri="{FF2B5EF4-FFF2-40B4-BE49-F238E27FC236}">
-                <a16:creationId xmlns:a16="http://schemas.microsoft.com/office/drawing/2014/main" id="{CCA5C5DA-54DE-9755-0AF1-5D22EF399709}"/>
+                <a16:creationId xmlns:a16="http://schemas.microsoft.com/office/drawing/2014/main" id="{46C8CAA9-3EC2-DDAE-CF44-84BE18E57831}"/>
               </a:ext>
             </a:extLst>
           </p:cNvPr>
@@ -1131,7 +1131,7 @@
           <a:bodyPr/>
           <a:lstStyle/>
           <a:p>
-            <a:fld id="{3AAD0424-1033-467B-95AC-48AA9FC9290B}" type="datetimeFigureOut">
+            <a:fld id="{6BAE3F8A-3F9E-4A66-8956-A581ECC1E5C4}" type="datetimeFigureOut">
               <a:rPr lang="zh-CN" altLang="en-US" smtClean="0"/>
               <a:t>2024/3/10</a:t>
             </a:fld>
@@ -1144,7 +1144,7 @@
           <p:cNvPr id="5" name="页脚占位符 4">
             <a:extLst>
               <a:ext uri="{FF2B5EF4-FFF2-40B4-BE49-F238E27FC236}">
-                <a16:creationId xmlns:a16="http://schemas.microsoft.com/office/drawing/2014/main" id="{39FDB449-D178-DFEE-68E7-AD1B1859BA85}"/>
+                <a16:creationId xmlns:a16="http://schemas.microsoft.com/office/drawing/2014/main" id="{38F8DE33-3D0F-8C93-11F4-AB8F9B47038F}"/>
               </a:ext>
             </a:extLst>
           </p:cNvPr>
@@ -1169,7 +1169,7 @@
           <p:cNvPr id="6" name="灯片编号占位符 5">
             <a:extLst>
               <a:ext uri="{FF2B5EF4-FFF2-40B4-BE49-F238E27FC236}">
-                <a16:creationId xmlns:a16="http://schemas.microsoft.com/office/drawing/2014/main" id="{1CF9FBF2-D434-DEB9-C5F4-014BB33E7D87}"/>
+                <a16:creationId xmlns:a16="http://schemas.microsoft.com/office/drawing/2014/main" id="{1251B2E2-10F2-DFD8-6067-48F4A5C5843E}"/>
               </a:ext>
             </a:extLst>
           </p:cNvPr>
@@ -1185,7 +1185,7 @@
           <a:bodyPr/>
           <a:lstStyle/>
           <a:p>
-            <a:fld id="{6DE67096-82F6-4BE2-BBAD-F195A33F0F03}" type="slidenum">
+            <a:fld id="{3ECF1EB9-8117-4D8F-B9B7-97322AD71A21}" type="slidenum">
               <a:rPr lang="zh-CN" altLang="en-US" smtClean="0"/>
               <a:t>‹#›</a:t>
             </a:fld>
@@ -1196,7 +1196,7 @@
     </p:spTree>
     <p:extLst>
       <p:ext uri="{BB962C8B-B14F-4D97-AF65-F5344CB8AC3E}">
-        <p14:creationId xmlns:p14="http://schemas.microsoft.com/office/powerpoint/2010/main" val="1272969977"/>
+        <p14:creationId xmlns:p14="http://schemas.microsoft.com/office/powerpoint/2010/main" val="985207380"/>
       </p:ext>
     </p:extLst>
   </p:cSld>
@@ -1228,7 +1228,7 @@
           <p:cNvPr id="2" name="标题 1">
             <a:extLst>
               <a:ext uri="{FF2B5EF4-FFF2-40B4-BE49-F238E27FC236}">
-                <a16:creationId xmlns:a16="http://schemas.microsoft.com/office/drawing/2014/main" id="{A231B4B8-25F8-7FA5-E79F-121547D3F2A9}"/>
+                <a16:creationId xmlns:a16="http://schemas.microsoft.com/office/drawing/2014/main" id="{9015EA92-EDE6-7A4B-0619-4DCCD3A9D8DD}"/>
               </a:ext>
             </a:extLst>
           </p:cNvPr>
@@ -1256,7 +1256,7 @@
           <p:cNvPr id="3" name="内容占位符 2">
             <a:extLst>
               <a:ext uri="{FF2B5EF4-FFF2-40B4-BE49-F238E27FC236}">
-                <a16:creationId xmlns:a16="http://schemas.microsoft.com/office/drawing/2014/main" id="{09BBDC04-567E-FB0E-37F8-81F899832F7D}"/>
+                <a16:creationId xmlns:a16="http://schemas.microsoft.com/office/drawing/2014/main" id="{64C51B75-0CB1-2C05-3688-6448CBB7D7A8}"/>
               </a:ext>
             </a:extLst>
           </p:cNvPr>
@@ -1318,7 +1318,7 @@
           <p:cNvPr id="4" name="内容占位符 3">
             <a:extLst>
               <a:ext uri="{FF2B5EF4-FFF2-40B4-BE49-F238E27FC236}">
-                <a16:creationId xmlns:a16="http://schemas.microsoft.com/office/drawing/2014/main" id="{82F961D3-159B-2C93-6D0F-A989B760C347}"/>
+                <a16:creationId xmlns:a16="http://schemas.microsoft.com/office/drawing/2014/main" id="{F5522D1F-2248-7891-86F9-EE081DD8A6A2}"/>
               </a:ext>
             </a:extLst>
           </p:cNvPr>
@@ -1380,7 +1380,7 @@
           <p:cNvPr id="5" name="日期占位符 4">
             <a:extLst>
               <a:ext uri="{FF2B5EF4-FFF2-40B4-BE49-F238E27FC236}">
-                <a16:creationId xmlns:a16="http://schemas.microsoft.com/office/drawing/2014/main" id="{E28C813C-7D12-9E87-9795-50F4ABE6A1BD}"/>
+                <a16:creationId xmlns:a16="http://schemas.microsoft.com/office/drawing/2014/main" id="{252BBF5D-69AC-F374-C1CB-5B89BD58A2E1}"/>
               </a:ext>
             </a:extLst>
           </p:cNvPr>
@@ -1396,7 +1396,7 @@
           <a:bodyPr/>
           <a:lstStyle/>
           <a:p>
-            <a:fld id="{3AAD0424-1033-467B-95AC-48AA9FC9290B}" type="datetimeFigureOut">
+            <a:fld id="{6BAE3F8A-3F9E-4A66-8956-A581ECC1E5C4}" type="datetimeFigureOut">
               <a:rPr lang="zh-CN" altLang="en-US" smtClean="0"/>
               <a:t>2024/3/10</a:t>
             </a:fld>
@@ -1409,7 +1409,7 @@
           <p:cNvPr id="6" name="页脚占位符 5">
             <a:extLst>
               <a:ext uri="{FF2B5EF4-FFF2-40B4-BE49-F238E27FC236}">
-                <a16:creationId xmlns:a16="http://schemas.microsoft.com/office/drawing/2014/main" id="{92FC4FC9-422C-01B4-0C25-620E40BD25DD}"/>
+                <a16:creationId xmlns:a16="http://schemas.microsoft.com/office/drawing/2014/main" id="{A399CEB0-62DA-7D1A-354A-ADA2BE885184}"/>
               </a:ext>
             </a:extLst>
           </p:cNvPr>
@@ -1434,7 +1434,7 @@
           <p:cNvPr id="7" name="灯片编号占位符 6">
             <a:extLst>
               <a:ext uri="{FF2B5EF4-FFF2-40B4-BE49-F238E27FC236}">
-                <a16:creationId xmlns:a16="http://schemas.microsoft.com/office/drawing/2014/main" id="{760CC6A1-B32E-F514-924D-7412401F0342}"/>
+                <a16:creationId xmlns:a16="http://schemas.microsoft.com/office/drawing/2014/main" id="{1B4BE7F4-AABF-B022-968A-B78E108E8CFB}"/>
               </a:ext>
             </a:extLst>
           </p:cNvPr>
@@ -1450,7 +1450,7 @@
           <a:bodyPr/>
           <a:lstStyle/>
           <a:p>
-            <a:fld id="{6DE67096-82F6-4BE2-BBAD-F195A33F0F03}" type="slidenum">
+            <a:fld id="{3ECF1EB9-8117-4D8F-B9B7-97322AD71A21}" type="slidenum">
               <a:rPr lang="zh-CN" altLang="en-US" smtClean="0"/>
               <a:t>‹#›</a:t>
             </a:fld>
@@ -1461,7 +1461,7 @@
     </p:spTree>
     <p:extLst>
       <p:ext uri="{BB962C8B-B14F-4D97-AF65-F5344CB8AC3E}">
-        <p14:creationId xmlns:p14="http://schemas.microsoft.com/office/powerpoint/2010/main" val="833897949"/>
+        <p14:creationId xmlns:p14="http://schemas.microsoft.com/office/powerpoint/2010/main" val="1836606393"/>
       </p:ext>
     </p:extLst>
   </p:cSld>
@@ -1493,7 +1493,7 @@
           <p:cNvPr id="2" name="标题 1">
             <a:extLst>
               <a:ext uri="{FF2B5EF4-FFF2-40B4-BE49-F238E27FC236}">
-                <a16:creationId xmlns:a16="http://schemas.microsoft.com/office/drawing/2014/main" id="{65DAB7FA-6BCE-330A-6323-5B955EB6A91B}"/>
+                <a16:creationId xmlns:a16="http://schemas.microsoft.com/office/drawing/2014/main" id="{95C23D1C-D24C-C54A-1D2B-BCCFD7A35405}"/>
               </a:ext>
             </a:extLst>
           </p:cNvPr>
@@ -1526,7 +1526,7 @@
           <p:cNvPr id="3" name="文本占位符 2">
             <a:extLst>
               <a:ext uri="{FF2B5EF4-FFF2-40B4-BE49-F238E27FC236}">
-                <a16:creationId xmlns:a16="http://schemas.microsoft.com/office/drawing/2014/main" id="{DBE196CD-11A3-A650-865B-2F5CB95F2E54}"/>
+                <a16:creationId xmlns:a16="http://schemas.microsoft.com/office/drawing/2014/main" id="{9D1EA021-F68F-C06B-657B-5BCC428FF289}"/>
               </a:ext>
             </a:extLst>
           </p:cNvPr>
@@ -1597,7 +1597,7 @@
           <p:cNvPr id="4" name="内容占位符 3">
             <a:extLst>
               <a:ext uri="{FF2B5EF4-FFF2-40B4-BE49-F238E27FC236}">
-                <a16:creationId xmlns:a16="http://schemas.microsoft.com/office/drawing/2014/main" id="{A6C3B2FE-AA1A-CDEF-54FA-A17216B8D747}"/>
+                <a16:creationId xmlns:a16="http://schemas.microsoft.com/office/drawing/2014/main" id="{8EFE21FB-23B0-72FA-06EB-36D892C39D0C}"/>
               </a:ext>
             </a:extLst>
           </p:cNvPr>
@@ -1659,7 +1659,7 @@
           <p:cNvPr id="5" name="文本占位符 4">
             <a:extLst>
               <a:ext uri="{FF2B5EF4-FFF2-40B4-BE49-F238E27FC236}">
-                <a16:creationId xmlns:a16="http://schemas.microsoft.com/office/drawing/2014/main" id="{6A0C41E0-2358-C309-0366-60C6A1BAFC60}"/>
+                <a16:creationId xmlns:a16="http://schemas.microsoft.com/office/drawing/2014/main" id="{82865AE6-BDC3-0BDC-EC35-A63B8187B8D8}"/>
               </a:ext>
             </a:extLst>
           </p:cNvPr>
@@ -1730,7 +1730,7 @@
           <p:cNvPr id="6" name="内容占位符 5">
             <a:extLst>
               <a:ext uri="{FF2B5EF4-FFF2-40B4-BE49-F238E27FC236}">
-                <a16:creationId xmlns:a16="http://schemas.microsoft.com/office/drawing/2014/main" id="{2F60998C-CB19-97BC-4B49-31C74FACFD7C}"/>
+                <a16:creationId xmlns:a16="http://schemas.microsoft.com/office/drawing/2014/main" id="{C42FE281-7288-D426-87E6-A31DF82CBF81}"/>
               </a:ext>
             </a:extLst>
           </p:cNvPr>
@@ -1792,7 +1792,7 @@
           <p:cNvPr id="7" name="日期占位符 6">
             <a:extLst>
               <a:ext uri="{FF2B5EF4-FFF2-40B4-BE49-F238E27FC236}">
-                <a16:creationId xmlns:a16="http://schemas.microsoft.com/office/drawing/2014/main" id="{86467E82-C398-594A-3192-79B8C081CCA1}"/>
+                <a16:creationId xmlns:a16="http://schemas.microsoft.com/office/drawing/2014/main" id="{6767E3D8-719D-929B-458A-6FFD20CFBE0B}"/>
               </a:ext>
             </a:extLst>
           </p:cNvPr>
@@ -1808,7 +1808,7 @@
           <a:bodyPr/>
           <a:lstStyle/>
           <a:p>
-            <a:fld id="{3AAD0424-1033-467B-95AC-48AA9FC9290B}" type="datetimeFigureOut">
+            <a:fld id="{6BAE3F8A-3F9E-4A66-8956-A581ECC1E5C4}" type="datetimeFigureOut">
               <a:rPr lang="zh-CN" altLang="en-US" smtClean="0"/>
               <a:t>2024/3/10</a:t>
             </a:fld>
@@ -1821,7 +1821,7 @@
           <p:cNvPr id="8" name="页脚占位符 7">
             <a:extLst>
               <a:ext uri="{FF2B5EF4-FFF2-40B4-BE49-F238E27FC236}">
-                <a16:creationId xmlns:a16="http://schemas.microsoft.com/office/drawing/2014/main" id="{8A4ECF84-4A47-2926-4A68-6693F709B8BF}"/>
+                <a16:creationId xmlns:a16="http://schemas.microsoft.com/office/drawing/2014/main" id="{39D7DF55-7151-917D-80A7-E802B633A6C5}"/>
               </a:ext>
             </a:extLst>
           </p:cNvPr>
@@ -1846,7 +1846,7 @@
           <p:cNvPr id="9" name="灯片编号占位符 8">
             <a:extLst>
               <a:ext uri="{FF2B5EF4-FFF2-40B4-BE49-F238E27FC236}">
-                <a16:creationId xmlns:a16="http://schemas.microsoft.com/office/drawing/2014/main" id="{ECD86167-C0FA-8167-7984-7FB79128495B}"/>
+                <a16:creationId xmlns:a16="http://schemas.microsoft.com/office/drawing/2014/main" id="{22DC729D-5FD1-93D8-0560-4645AE077054}"/>
               </a:ext>
             </a:extLst>
           </p:cNvPr>
@@ -1862,7 +1862,7 @@
           <a:bodyPr/>
           <a:lstStyle/>
           <a:p>
-            <a:fld id="{6DE67096-82F6-4BE2-BBAD-F195A33F0F03}" type="slidenum">
+            <a:fld id="{3ECF1EB9-8117-4D8F-B9B7-97322AD71A21}" type="slidenum">
               <a:rPr lang="zh-CN" altLang="en-US" smtClean="0"/>
               <a:t>‹#›</a:t>
             </a:fld>
@@ -1873,7 +1873,7 @@
     </p:spTree>
     <p:extLst>
       <p:ext uri="{BB962C8B-B14F-4D97-AF65-F5344CB8AC3E}">
-        <p14:creationId xmlns:p14="http://schemas.microsoft.com/office/powerpoint/2010/main" val="2769085116"/>
+        <p14:creationId xmlns:p14="http://schemas.microsoft.com/office/powerpoint/2010/main" val="4172629875"/>
       </p:ext>
     </p:extLst>
   </p:cSld>
@@ -1905,7 +1905,7 @@
           <p:cNvPr id="2" name="标题 1">
             <a:extLst>
               <a:ext uri="{FF2B5EF4-FFF2-40B4-BE49-F238E27FC236}">
-                <a16:creationId xmlns:a16="http://schemas.microsoft.com/office/drawing/2014/main" id="{8F2075AF-AF31-434E-23A5-4BC88BDDA1BE}"/>
+                <a16:creationId xmlns:a16="http://schemas.microsoft.com/office/drawing/2014/main" id="{29CDD3D1-5BFA-073E-8060-8F5370BF36D5}"/>
               </a:ext>
             </a:extLst>
           </p:cNvPr>
@@ -1933,7 +1933,7 @@
           <p:cNvPr id="3" name="日期占位符 2">
             <a:extLst>
               <a:ext uri="{FF2B5EF4-FFF2-40B4-BE49-F238E27FC236}">
-                <a16:creationId xmlns:a16="http://schemas.microsoft.com/office/drawing/2014/main" id="{1B786EF9-B87D-40BE-9C5A-D34A5B309366}"/>
+                <a16:creationId xmlns:a16="http://schemas.microsoft.com/office/drawing/2014/main" id="{1EF605E1-7090-929A-C67E-4223E03D3A48}"/>
               </a:ext>
             </a:extLst>
           </p:cNvPr>
@@ -1949,7 +1949,7 @@
           <a:bodyPr/>
           <a:lstStyle/>
           <a:p>
-            <a:fld id="{3AAD0424-1033-467B-95AC-48AA9FC9290B}" type="datetimeFigureOut">
+            <a:fld id="{6BAE3F8A-3F9E-4A66-8956-A581ECC1E5C4}" type="datetimeFigureOut">
               <a:rPr lang="zh-CN" altLang="en-US" smtClean="0"/>
               <a:t>2024/3/10</a:t>
             </a:fld>
@@ -1962,7 +1962,7 @@
           <p:cNvPr id="4" name="页脚占位符 3">
             <a:extLst>
               <a:ext uri="{FF2B5EF4-FFF2-40B4-BE49-F238E27FC236}">
-                <a16:creationId xmlns:a16="http://schemas.microsoft.com/office/drawing/2014/main" id="{BBBA9CE6-56EF-D1D1-2BDE-0DBE66EC8596}"/>
+                <a16:creationId xmlns:a16="http://schemas.microsoft.com/office/drawing/2014/main" id="{18C04149-A183-49BD-22FE-645AD8869EA9}"/>
               </a:ext>
             </a:extLst>
           </p:cNvPr>
@@ -1987,7 +1987,7 @@
           <p:cNvPr id="5" name="灯片编号占位符 4">
             <a:extLst>
               <a:ext uri="{FF2B5EF4-FFF2-40B4-BE49-F238E27FC236}">
-                <a16:creationId xmlns:a16="http://schemas.microsoft.com/office/drawing/2014/main" id="{67A2DBED-51E9-2BA0-9C84-3F1A65C93B13}"/>
+                <a16:creationId xmlns:a16="http://schemas.microsoft.com/office/drawing/2014/main" id="{ED3D3B46-D63B-6E50-E49C-6656F8CE7A05}"/>
               </a:ext>
             </a:extLst>
           </p:cNvPr>
@@ -2003,7 +2003,7 @@
           <a:bodyPr/>
           <a:lstStyle/>
           <a:p>
-            <a:fld id="{6DE67096-82F6-4BE2-BBAD-F195A33F0F03}" type="slidenum">
+            <a:fld id="{3ECF1EB9-8117-4D8F-B9B7-97322AD71A21}" type="slidenum">
               <a:rPr lang="zh-CN" altLang="en-US" smtClean="0"/>
               <a:t>‹#›</a:t>
             </a:fld>
@@ -2014,7 +2014,7 @@
     </p:spTree>
     <p:extLst>
       <p:ext uri="{BB962C8B-B14F-4D97-AF65-F5344CB8AC3E}">
-        <p14:creationId xmlns:p14="http://schemas.microsoft.com/office/powerpoint/2010/main" val="927841088"/>
+        <p14:creationId xmlns:p14="http://schemas.microsoft.com/office/powerpoint/2010/main" val="1304884044"/>
       </p:ext>
     </p:extLst>
   </p:cSld>
@@ -2046,7 +2046,7 @@
           <p:cNvPr id="2" name="日期占位符 1">
             <a:extLst>
               <a:ext uri="{FF2B5EF4-FFF2-40B4-BE49-F238E27FC236}">
-                <a16:creationId xmlns:a16="http://schemas.microsoft.com/office/drawing/2014/main" id="{DF597B21-2C4D-5BA7-9A2F-0D8BECD00F6B}"/>
+                <a16:creationId xmlns:a16="http://schemas.microsoft.com/office/drawing/2014/main" id="{091C45A3-8520-6E7F-8F8B-2D5387AAADA9}"/>
               </a:ext>
             </a:extLst>
           </p:cNvPr>
@@ -2062,7 +2062,7 @@
           <a:bodyPr/>
           <a:lstStyle/>
           <a:p>
-            <a:fld id="{3AAD0424-1033-467B-95AC-48AA9FC9290B}" type="datetimeFigureOut">
+            <a:fld id="{6BAE3F8A-3F9E-4A66-8956-A581ECC1E5C4}" type="datetimeFigureOut">
               <a:rPr lang="zh-CN" altLang="en-US" smtClean="0"/>
               <a:t>2024/3/10</a:t>
             </a:fld>
@@ -2075,7 +2075,7 @@
           <p:cNvPr id="3" name="页脚占位符 2">
             <a:extLst>
               <a:ext uri="{FF2B5EF4-FFF2-40B4-BE49-F238E27FC236}">
-                <a16:creationId xmlns:a16="http://schemas.microsoft.com/office/drawing/2014/main" id="{BF2DE349-786D-C989-2276-A8F762F9A9D6}"/>
+                <a16:creationId xmlns:a16="http://schemas.microsoft.com/office/drawing/2014/main" id="{C81F6852-4122-B89A-C64C-C46ACF603C1A}"/>
               </a:ext>
             </a:extLst>
           </p:cNvPr>
@@ -2100,7 +2100,7 @@
           <p:cNvPr id="4" name="灯片编号占位符 3">
             <a:extLst>
               <a:ext uri="{FF2B5EF4-FFF2-40B4-BE49-F238E27FC236}">
-                <a16:creationId xmlns:a16="http://schemas.microsoft.com/office/drawing/2014/main" id="{7F5571DC-DEB3-25AF-0207-742C2FE41834}"/>
+                <a16:creationId xmlns:a16="http://schemas.microsoft.com/office/drawing/2014/main" id="{87BC34EE-6CBF-4FF4-89E5-D70BD67E3B16}"/>
               </a:ext>
             </a:extLst>
           </p:cNvPr>
@@ -2116,7 +2116,7 @@
           <a:bodyPr/>
           <a:lstStyle/>
           <a:p>
-            <a:fld id="{6DE67096-82F6-4BE2-BBAD-F195A33F0F03}" type="slidenum">
+            <a:fld id="{3ECF1EB9-8117-4D8F-B9B7-97322AD71A21}" type="slidenum">
               <a:rPr lang="zh-CN" altLang="en-US" smtClean="0"/>
               <a:t>‹#›</a:t>
             </a:fld>
@@ -2127,7 +2127,7 @@
     </p:spTree>
     <p:extLst>
       <p:ext uri="{BB962C8B-B14F-4D97-AF65-F5344CB8AC3E}">
-        <p14:creationId xmlns:p14="http://schemas.microsoft.com/office/powerpoint/2010/main" val="3700542908"/>
+        <p14:creationId xmlns:p14="http://schemas.microsoft.com/office/powerpoint/2010/main" val="2524561561"/>
       </p:ext>
     </p:extLst>
   </p:cSld>
@@ -2159,7 +2159,7 @@
           <p:cNvPr id="2" name="标题 1">
             <a:extLst>
               <a:ext uri="{FF2B5EF4-FFF2-40B4-BE49-F238E27FC236}">
-                <a16:creationId xmlns:a16="http://schemas.microsoft.com/office/drawing/2014/main" id="{56170B3D-3FEE-6A81-0F1D-9A30BC0CF578}"/>
+                <a16:creationId xmlns:a16="http://schemas.microsoft.com/office/drawing/2014/main" id="{759CD248-8847-EC9C-A6B6-E5C51EAEE77C}"/>
               </a:ext>
             </a:extLst>
           </p:cNvPr>
@@ -2196,7 +2196,7 @@
           <p:cNvPr id="3" name="内容占位符 2">
             <a:extLst>
               <a:ext uri="{FF2B5EF4-FFF2-40B4-BE49-F238E27FC236}">
-                <a16:creationId xmlns:a16="http://schemas.microsoft.com/office/drawing/2014/main" id="{9650AE00-BF1E-6149-B4B3-BB6D8BAE008E}"/>
+                <a16:creationId xmlns:a16="http://schemas.microsoft.com/office/drawing/2014/main" id="{B992ECCE-F192-444E-F665-7F077A103605}"/>
               </a:ext>
             </a:extLst>
           </p:cNvPr>
@@ -2286,7 +2286,7 @@
           <p:cNvPr id="4" name="文本占位符 3">
             <a:extLst>
               <a:ext uri="{FF2B5EF4-FFF2-40B4-BE49-F238E27FC236}">
-                <a16:creationId xmlns:a16="http://schemas.microsoft.com/office/drawing/2014/main" id="{AC235A5B-9AA5-3EA0-89A9-2E4516B0EF2B}"/>
+                <a16:creationId xmlns:a16="http://schemas.microsoft.com/office/drawing/2014/main" id="{AEED9E49-865A-0910-3D83-F5A894696687}"/>
               </a:ext>
             </a:extLst>
           </p:cNvPr>
@@ -2357,7 +2357,7 @@
           <p:cNvPr id="5" name="日期占位符 4">
             <a:extLst>
               <a:ext uri="{FF2B5EF4-FFF2-40B4-BE49-F238E27FC236}">
-                <a16:creationId xmlns:a16="http://schemas.microsoft.com/office/drawing/2014/main" id="{51E44103-C2E5-77A4-CB8C-0920839E5449}"/>
+                <a16:creationId xmlns:a16="http://schemas.microsoft.com/office/drawing/2014/main" id="{F7F5FB81-320C-8825-D011-E90BE0A96600}"/>
               </a:ext>
             </a:extLst>
           </p:cNvPr>
@@ -2373,7 +2373,7 @@
           <a:bodyPr/>
           <a:lstStyle/>
           <a:p>
-            <a:fld id="{3AAD0424-1033-467B-95AC-48AA9FC9290B}" type="datetimeFigureOut">
+            <a:fld id="{6BAE3F8A-3F9E-4A66-8956-A581ECC1E5C4}" type="datetimeFigureOut">
               <a:rPr lang="zh-CN" altLang="en-US" smtClean="0"/>
               <a:t>2024/3/10</a:t>
             </a:fld>
@@ -2386,7 +2386,7 @@
           <p:cNvPr id="6" name="页脚占位符 5">
             <a:extLst>
               <a:ext uri="{FF2B5EF4-FFF2-40B4-BE49-F238E27FC236}">
-                <a16:creationId xmlns:a16="http://schemas.microsoft.com/office/drawing/2014/main" id="{D33ECC06-A7A8-C359-D9BA-8C2E35371926}"/>
+                <a16:creationId xmlns:a16="http://schemas.microsoft.com/office/drawing/2014/main" id="{DFC3B264-D8F1-331C-30E6-B8D531606071}"/>
               </a:ext>
             </a:extLst>
           </p:cNvPr>
@@ -2411,7 +2411,7 @@
           <p:cNvPr id="7" name="灯片编号占位符 6">
             <a:extLst>
               <a:ext uri="{FF2B5EF4-FFF2-40B4-BE49-F238E27FC236}">
-                <a16:creationId xmlns:a16="http://schemas.microsoft.com/office/drawing/2014/main" id="{C3273AEE-97E8-B39A-38E6-089B9455781E}"/>
+                <a16:creationId xmlns:a16="http://schemas.microsoft.com/office/drawing/2014/main" id="{99B1EE24-E045-4A95-5A62-048FC4CAAF7F}"/>
               </a:ext>
             </a:extLst>
           </p:cNvPr>
@@ -2427,7 +2427,7 @@
           <a:bodyPr/>
           <a:lstStyle/>
           <a:p>
-            <a:fld id="{6DE67096-82F6-4BE2-BBAD-F195A33F0F03}" type="slidenum">
+            <a:fld id="{3ECF1EB9-8117-4D8F-B9B7-97322AD71A21}" type="slidenum">
               <a:rPr lang="zh-CN" altLang="en-US" smtClean="0"/>
               <a:t>‹#›</a:t>
             </a:fld>
@@ -2438,7 +2438,7 @@
     </p:spTree>
     <p:extLst>
       <p:ext uri="{BB962C8B-B14F-4D97-AF65-F5344CB8AC3E}">
-        <p14:creationId xmlns:p14="http://schemas.microsoft.com/office/powerpoint/2010/main" val="3742407705"/>
+        <p14:creationId xmlns:p14="http://schemas.microsoft.com/office/powerpoint/2010/main" val="3653333495"/>
       </p:ext>
     </p:extLst>
   </p:cSld>
@@ -2470,7 +2470,7 @@
           <p:cNvPr id="2" name="标题 1">
             <a:extLst>
               <a:ext uri="{FF2B5EF4-FFF2-40B4-BE49-F238E27FC236}">
-                <a16:creationId xmlns:a16="http://schemas.microsoft.com/office/drawing/2014/main" id="{241E9A9F-1B8D-957E-50CB-E909C69EC87B}"/>
+                <a16:creationId xmlns:a16="http://schemas.microsoft.com/office/drawing/2014/main" id="{ABF86C48-D82F-5798-286B-EAA09D1B85E7}"/>
               </a:ext>
             </a:extLst>
           </p:cNvPr>
@@ -2507,7 +2507,7 @@
           <p:cNvPr id="3" name="图片占位符 2">
             <a:extLst>
               <a:ext uri="{FF2B5EF4-FFF2-40B4-BE49-F238E27FC236}">
-                <a16:creationId xmlns:a16="http://schemas.microsoft.com/office/drawing/2014/main" id="{D565559C-0830-49FC-0A03-88014FDD5289}"/>
+                <a16:creationId xmlns:a16="http://schemas.microsoft.com/office/drawing/2014/main" id="{6BB96621-6F4E-26FB-896E-808C5B14C228}"/>
               </a:ext>
             </a:extLst>
           </p:cNvPr>
@@ -2574,7 +2574,7 @@
           <p:cNvPr id="4" name="文本占位符 3">
             <a:extLst>
               <a:ext uri="{FF2B5EF4-FFF2-40B4-BE49-F238E27FC236}">
-                <a16:creationId xmlns:a16="http://schemas.microsoft.com/office/drawing/2014/main" id="{E4B3AAC7-308E-AFDC-1B2D-625CEC1B46C7}"/>
+                <a16:creationId xmlns:a16="http://schemas.microsoft.com/office/drawing/2014/main" id="{2CAED8FD-564E-CD2F-33C1-58ACF760716E}"/>
               </a:ext>
             </a:extLst>
           </p:cNvPr>
@@ -2645,7 +2645,7 @@
           <p:cNvPr id="5" name="日期占位符 4">
             <a:extLst>
               <a:ext uri="{FF2B5EF4-FFF2-40B4-BE49-F238E27FC236}">
-                <a16:creationId xmlns:a16="http://schemas.microsoft.com/office/drawing/2014/main" id="{D8858D6A-F7AB-58CD-43D9-362AF68CDB51}"/>
+                <a16:creationId xmlns:a16="http://schemas.microsoft.com/office/drawing/2014/main" id="{D83D7376-B2DF-72B5-C4A3-236B3660FB89}"/>
               </a:ext>
             </a:extLst>
           </p:cNvPr>
@@ -2661,7 +2661,7 @@
           <a:bodyPr/>
           <a:lstStyle/>
           <a:p>
-            <a:fld id="{3AAD0424-1033-467B-95AC-48AA9FC9290B}" type="datetimeFigureOut">
+            <a:fld id="{6BAE3F8A-3F9E-4A66-8956-A581ECC1E5C4}" type="datetimeFigureOut">
               <a:rPr lang="zh-CN" altLang="en-US" smtClean="0"/>
               <a:t>2024/3/10</a:t>
             </a:fld>
@@ -2674,7 +2674,7 @@
           <p:cNvPr id="6" name="页脚占位符 5">
             <a:extLst>
               <a:ext uri="{FF2B5EF4-FFF2-40B4-BE49-F238E27FC236}">
-                <a16:creationId xmlns:a16="http://schemas.microsoft.com/office/drawing/2014/main" id="{CD0FBE7C-0A2C-3A51-2B8C-B1053D9E1353}"/>
+                <a16:creationId xmlns:a16="http://schemas.microsoft.com/office/drawing/2014/main" id="{CAE69E6B-4A33-0657-9865-BFC7BB9DD0A2}"/>
               </a:ext>
             </a:extLst>
           </p:cNvPr>
@@ -2699,7 +2699,7 @@
           <p:cNvPr id="7" name="灯片编号占位符 6">
             <a:extLst>
               <a:ext uri="{FF2B5EF4-FFF2-40B4-BE49-F238E27FC236}">
-                <a16:creationId xmlns:a16="http://schemas.microsoft.com/office/drawing/2014/main" id="{A0999215-CCB8-7B70-7F27-AAFE02698C82}"/>
+                <a16:creationId xmlns:a16="http://schemas.microsoft.com/office/drawing/2014/main" id="{B39F4010-46E2-B122-93C2-49194CB9F344}"/>
               </a:ext>
             </a:extLst>
           </p:cNvPr>
@@ -2715,7 +2715,7 @@
           <a:bodyPr/>
           <a:lstStyle/>
           <a:p>
-            <a:fld id="{6DE67096-82F6-4BE2-BBAD-F195A33F0F03}" type="slidenum">
+            <a:fld id="{3ECF1EB9-8117-4D8F-B9B7-97322AD71A21}" type="slidenum">
               <a:rPr lang="zh-CN" altLang="en-US" smtClean="0"/>
               <a:t>‹#›</a:t>
             </a:fld>
@@ -2726,7 +2726,7 @@
     </p:spTree>
     <p:extLst>
       <p:ext uri="{BB962C8B-B14F-4D97-AF65-F5344CB8AC3E}">
-        <p14:creationId xmlns:p14="http://schemas.microsoft.com/office/powerpoint/2010/main" val="2068427103"/>
+        <p14:creationId xmlns:p14="http://schemas.microsoft.com/office/powerpoint/2010/main" val="3350052307"/>
       </p:ext>
     </p:extLst>
   </p:cSld>
@@ -2763,7 +2763,7 @@
           <p:cNvPr id="2" name="标题占位符 1">
             <a:extLst>
               <a:ext uri="{FF2B5EF4-FFF2-40B4-BE49-F238E27FC236}">
-                <a16:creationId xmlns:a16="http://schemas.microsoft.com/office/drawing/2014/main" id="{F0C817D2-F784-4412-14B2-AFA47D9E9C8F}"/>
+                <a16:creationId xmlns:a16="http://schemas.microsoft.com/office/drawing/2014/main" id="{14C67AA4-11B0-6984-9D28-FC98597340CD}"/>
               </a:ext>
             </a:extLst>
           </p:cNvPr>
@@ -2801,7 +2801,7 @@
           <p:cNvPr id="3" name="文本占位符 2">
             <a:extLst>
               <a:ext uri="{FF2B5EF4-FFF2-40B4-BE49-F238E27FC236}">
-                <a16:creationId xmlns:a16="http://schemas.microsoft.com/office/drawing/2014/main" id="{CF382F81-1057-E1F9-0E59-4AFB323F60EC}"/>
+                <a16:creationId xmlns:a16="http://schemas.microsoft.com/office/drawing/2014/main" id="{AFB61A33-3295-BFB8-4A1C-D2EB3554DEB8}"/>
               </a:ext>
             </a:extLst>
           </p:cNvPr>
@@ -2868,7 +2868,7 @@
           <p:cNvPr id="4" name="日期占位符 3">
             <a:extLst>
               <a:ext uri="{FF2B5EF4-FFF2-40B4-BE49-F238E27FC236}">
-                <a16:creationId xmlns:a16="http://schemas.microsoft.com/office/drawing/2014/main" id="{D0160EAE-7BB5-7847-3C12-8581C41E1EFD}"/>
+                <a16:creationId xmlns:a16="http://schemas.microsoft.com/office/drawing/2014/main" id="{6D028157-21C2-1958-9323-7150682FF07C}"/>
               </a:ext>
             </a:extLst>
           </p:cNvPr>
@@ -2902,7 +2902,7 @@
             </a:lvl1pPr>
           </a:lstStyle>
           <a:p>
-            <a:fld id="{3AAD0424-1033-467B-95AC-48AA9FC9290B}" type="datetimeFigureOut">
+            <a:fld id="{6BAE3F8A-3F9E-4A66-8956-A581ECC1E5C4}" type="datetimeFigureOut">
               <a:rPr lang="zh-CN" altLang="en-US" smtClean="0"/>
               <a:t>2024/3/10</a:t>
             </a:fld>
@@ -2915,7 +2915,7 @@
           <p:cNvPr id="5" name="页脚占位符 4">
             <a:extLst>
               <a:ext uri="{FF2B5EF4-FFF2-40B4-BE49-F238E27FC236}">
-                <a16:creationId xmlns:a16="http://schemas.microsoft.com/office/drawing/2014/main" id="{D590C3CD-82D4-F64C-1C73-8A50F775F09C}"/>
+                <a16:creationId xmlns:a16="http://schemas.microsoft.com/office/drawing/2014/main" id="{2251C91E-29D4-F044-C160-9CD980ECDFD2}"/>
               </a:ext>
             </a:extLst>
           </p:cNvPr>
@@ -2958,7 +2958,7 @@
           <p:cNvPr id="6" name="灯片编号占位符 5">
             <a:extLst>
               <a:ext uri="{FF2B5EF4-FFF2-40B4-BE49-F238E27FC236}">
-                <a16:creationId xmlns:a16="http://schemas.microsoft.com/office/drawing/2014/main" id="{E5B8DBA3-92C5-00D8-46F4-41485D3E93F8}"/>
+                <a16:creationId xmlns:a16="http://schemas.microsoft.com/office/drawing/2014/main" id="{08A3431E-D8EB-C079-3FF2-67908F454D5C}"/>
               </a:ext>
             </a:extLst>
           </p:cNvPr>
@@ -2992,7 +2992,7 @@
             </a:lvl1pPr>
           </a:lstStyle>
           <a:p>
-            <a:fld id="{6DE67096-82F6-4BE2-BBAD-F195A33F0F03}" type="slidenum">
+            <a:fld id="{3ECF1EB9-8117-4D8F-B9B7-97322AD71A21}" type="slidenum">
               <a:rPr lang="zh-CN" altLang="en-US" smtClean="0"/>
               <a:t>‹#›</a:t>
             </a:fld>
@@ -3003,7 +3003,7 @@
     </p:spTree>
     <p:extLst>
       <p:ext uri="{BB962C8B-B14F-4D97-AF65-F5344CB8AC3E}">
-        <p14:creationId xmlns:p14="http://schemas.microsoft.com/office/powerpoint/2010/main" val="3277717738"/>
+        <p14:creationId xmlns:p14="http://schemas.microsoft.com/office/powerpoint/2010/main" val="2528904173"/>
       </p:ext>
     </p:extLst>
   </p:cSld>
